--- a/slides/2019-3-3-week-i-learned-Back Propagation & Neural Network.pptx
+++ b/slides/2019-3-3-week-i-learned-Back Propagation & Neural Network.pptx
@@ -108,6 +108,11 @@
       </a:defRPr>
     </a:lvl9pPr>
   </p:defaultTextStyle>
+  <p:extLst>
+    <p:ext uri="{EFAFB233-063F-42B5-8137-9DF3F51BA10A}">
+      <p15:sldGuideLst xmlns:p15="http://schemas.microsoft.com/office/powerpoint/2012/main"/>
+    </p:ext>
+  </p:extLst>
 </p:presentation>
 </file>
 
@@ -3396,7 +3401,11 @@
           <a:p>
             <a:r>
               <a:rPr lang="en-US" altLang="ko-KR" dirty="0"/>
-              <a:t>cs231n Lecture 4 &amp; 5</a:t>
+              <a:t>cs231n </a:t>
+            </a:r>
+            <a:r>
+              <a:rPr lang="en-US" altLang="ko-KR"/>
+              <a:t>Lecture 4</a:t>
             </a:r>
             <a:endParaRPr lang="ko-KR" altLang="en-US" dirty="0"/>
           </a:p>
